--- a/3.Binder/Binder Java 层分析.pptx
+++ b/3.Binder/Binder Java 层分析.pptx
@@ -6,11 +6,12 @@
   </p:sldMasterIdLst>
   <p:sldIdLst>
     <p:sldId id="256" r:id="rId3"/>
+    <p:sldId id="257" r:id="rId4"/>
   </p:sldIdLst>
   <p:sldSz cx="12192000" cy="6858000"/>
   <p:notesSz cx="6858000" cy="9144000"/>
   <p:custDataLst>
-    <p:tags r:id="rId7"/>
+    <p:tags r:id="rId8"/>
   </p:custDataLst>
   <p:defaultTextStyle>
     <a:defPPr>
@@ -110,12 +111,12 @@
   <p:extLst>
     <p:ext uri="{EFAFB233-063F-42B5-8137-9DF3F51BA10A}">
       <p15:sldGuideLst xmlns:p15="http://schemas.microsoft.com/office/powerpoint/2012/main">
-        <p15:guide id="1" orient="horz" pos="2160" userDrawn="1">
+        <p15:guide id="1" orient="horz" pos="2196" userDrawn="1">
           <p15:clr>
             <a:srgbClr val="A4A3A4"/>
           </p15:clr>
         </p15:guide>
-        <p15:guide id="2" pos="3840" userDrawn="1">
+        <p15:guide id="2" pos="3837" userDrawn="1">
           <p15:clr>
             <a:srgbClr val="A4A3A4"/>
           </p15:clr>
@@ -3502,6 +3503,1388 @@
 </p:sld>
 </file>
 
+<file path=ppt/slides/slide2.xml><?xml version="1.0" encoding="utf-8"?>
+<p:sld xmlns:a="http://schemas.openxmlformats.org/drawingml/2006/main" xmlns:r="http://schemas.openxmlformats.org/officeDocument/2006/relationships" xmlns:p="http://schemas.openxmlformats.org/presentationml/2006/main">
+  <p:cSld>
+    <p:bg>
+      <p:bgPr>
+        <a:noFill/>
+        <a:effectLst/>
+      </p:bgPr>
+    </p:bg>
+    <p:spTree>
+      <p:nvGrpSpPr>
+        <p:cNvPr id="1" name=""/>
+        <p:cNvGrpSpPr/>
+        <p:nvPr/>
+      </p:nvGrpSpPr>
+      <p:grpSpPr/>
+      <p:cxnSp>
+        <p:nvCxnSpPr>
+          <p:cNvPr id="4" name="直接连接符 3"/>
+          <p:cNvCxnSpPr/>
+          <p:nvPr/>
+        </p:nvCxnSpPr>
+        <p:spPr>
+          <a:xfrm>
+            <a:off x="2811145" y="2613025"/>
+            <a:ext cx="4732655" cy="9525"/>
+          </a:xfrm>
+          <a:prstGeom prst="line">
+            <a:avLst/>
+          </a:prstGeom>
+        </p:spPr>
+        <p:style>
+          <a:lnRef idx="1">
+            <a:schemeClr val="accent1"/>
+          </a:lnRef>
+          <a:fillRef idx="0">
+            <a:schemeClr val="accent1"/>
+          </a:fillRef>
+          <a:effectRef idx="0">
+            <a:schemeClr val="accent1"/>
+          </a:effectRef>
+          <a:fontRef idx="minor">
+            <a:schemeClr val="tx1"/>
+          </a:fontRef>
+        </p:style>
+      </p:cxnSp>
+      <p:cxnSp>
+        <p:nvCxnSpPr>
+          <p:cNvPr id="5" name="直接连接符 4"/>
+          <p:cNvCxnSpPr/>
+          <p:nvPr>
+            <p:custDataLst>
+              <p:tags r:id="rId1"/>
+            </p:custDataLst>
+          </p:nvPr>
+        </p:nvCxnSpPr>
+        <p:spPr>
+          <a:xfrm>
+            <a:off x="2811145" y="3185160"/>
+            <a:ext cx="4732655" cy="9525"/>
+          </a:xfrm>
+          <a:prstGeom prst="line">
+            <a:avLst/>
+          </a:prstGeom>
+        </p:spPr>
+        <p:style>
+          <a:lnRef idx="1">
+            <a:schemeClr val="accent1"/>
+          </a:lnRef>
+          <a:fillRef idx="0">
+            <a:schemeClr val="accent1"/>
+          </a:fillRef>
+          <a:effectRef idx="0">
+            <a:schemeClr val="accent1"/>
+          </a:effectRef>
+          <a:fontRef idx="minor">
+            <a:schemeClr val="tx1"/>
+          </a:fontRef>
+        </p:style>
+      </p:cxnSp>
+      <p:cxnSp>
+        <p:nvCxnSpPr>
+          <p:cNvPr id="6" name="直接连接符 5"/>
+          <p:cNvCxnSpPr/>
+          <p:nvPr>
+            <p:custDataLst>
+              <p:tags r:id="rId2"/>
+            </p:custDataLst>
+          </p:nvPr>
+        </p:nvCxnSpPr>
+        <p:spPr>
+          <a:xfrm>
+            <a:off x="2811145" y="5461635"/>
+            <a:ext cx="4732655" cy="9525"/>
+          </a:xfrm>
+          <a:prstGeom prst="line">
+            <a:avLst/>
+          </a:prstGeom>
+        </p:spPr>
+        <p:style>
+          <a:lnRef idx="1">
+            <a:schemeClr val="accent1"/>
+          </a:lnRef>
+          <a:fillRef idx="0">
+            <a:schemeClr val="accent1"/>
+          </a:fillRef>
+          <a:effectRef idx="0">
+            <a:schemeClr val="accent1"/>
+          </a:effectRef>
+          <a:fontRef idx="minor">
+            <a:schemeClr val="tx1"/>
+          </a:fontRef>
+        </p:style>
+      </p:cxnSp>
+      <p:sp>
+        <p:nvSpPr>
+          <p:cNvPr id="8" name="文本框 7"/>
+          <p:cNvSpPr txBox="1"/>
+          <p:nvPr/>
+        </p:nvSpPr>
+        <p:spPr>
+          <a:xfrm>
+            <a:off x="1576070" y="1931035"/>
+            <a:ext cx="845185" cy="368300"/>
+          </a:xfrm>
+          <a:prstGeom prst="rect">
+            <a:avLst/>
+          </a:prstGeom>
+          <a:noFill/>
+        </p:spPr>
+        <p:txBody>
+          <a:bodyPr wrap="square" rtlCol="0">
+            <a:spAutoFit/>
+          </a:bodyPr>
+          <a:p>
+            <a:r>
+              <a:rPr lang="en-US" altLang="zh-CN"/>
+              <a:t>Java</a:t>
+            </a:r>
+            <a:endParaRPr lang="en-US" altLang="zh-CN"/>
+          </a:p>
+        </p:txBody>
+      </p:sp>
+      <p:sp>
+        <p:nvSpPr>
+          <p:cNvPr id="9" name="文本框 8"/>
+          <p:cNvSpPr txBox="1"/>
+          <p:nvPr>
+            <p:custDataLst>
+              <p:tags r:id="rId3"/>
+            </p:custDataLst>
+          </p:nvPr>
+        </p:nvSpPr>
+        <p:spPr>
+          <a:xfrm>
+            <a:off x="1576070" y="2745105"/>
+            <a:ext cx="845185" cy="368300"/>
+          </a:xfrm>
+          <a:prstGeom prst="rect">
+            <a:avLst/>
+          </a:prstGeom>
+          <a:noFill/>
+        </p:spPr>
+        <p:txBody>
+          <a:bodyPr wrap="square" rtlCol="0">
+            <a:spAutoFit/>
+          </a:bodyPr>
+          <a:p>
+            <a:r>
+              <a:rPr lang="en-US" altLang="zh-CN"/>
+              <a:t>JNI</a:t>
+            </a:r>
+            <a:endParaRPr lang="en-US" altLang="zh-CN"/>
+          </a:p>
+        </p:txBody>
+      </p:sp>
+      <p:sp>
+        <p:nvSpPr>
+          <p:cNvPr id="10" name="文本框 9"/>
+          <p:cNvSpPr txBox="1"/>
+          <p:nvPr>
+            <p:custDataLst>
+              <p:tags r:id="rId4"/>
+            </p:custDataLst>
+          </p:nvPr>
+        </p:nvSpPr>
+        <p:spPr>
+          <a:xfrm>
+            <a:off x="1546860" y="4057015"/>
+            <a:ext cx="845185" cy="368300"/>
+          </a:xfrm>
+          <a:prstGeom prst="rect">
+            <a:avLst/>
+          </a:prstGeom>
+          <a:noFill/>
+        </p:spPr>
+        <p:txBody>
+          <a:bodyPr wrap="square" rtlCol="0">
+            <a:spAutoFit/>
+          </a:bodyPr>
+          <a:p>
+            <a:r>
+              <a:rPr lang="en-US" altLang="zh-CN"/>
+              <a:t>Native</a:t>
+            </a:r>
+            <a:endParaRPr lang="en-US" altLang="zh-CN"/>
+          </a:p>
+        </p:txBody>
+      </p:sp>
+      <p:sp>
+        <p:nvSpPr>
+          <p:cNvPr id="11" name="文本框 10"/>
+          <p:cNvSpPr txBox="1"/>
+          <p:nvPr>
+            <p:custDataLst>
+              <p:tags r:id="rId5"/>
+            </p:custDataLst>
+          </p:nvPr>
+        </p:nvSpPr>
+        <p:spPr>
+          <a:xfrm>
+            <a:off x="1546860" y="5711190"/>
+            <a:ext cx="845185" cy="368300"/>
+          </a:xfrm>
+          <a:prstGeom prst="rect">
+            <a:avLst/>
+          </a:prstGeom>
+          <a:noFill/>
+        </p:spPr>
+        <p:txBody>
+          <a:bodyPr wrap="square" rtlCol="0">
+            <a:spAutoFit/>
+          </a:bodyPr>
+          <a:p>
+            <a:r>
+              <a:rPr lang="en-US" altLang="zh-CN"/>
+              <a:t>Kernel</a:t>
+            </a:r>
+            <a:endParaRPr lang="en-US" altLang="zh-CN"/>
+          </a:p>
+        </p:txBody>
+      </p:sp>
+      <p:sp>
+        <p:nvSpPr>
+          <p:cNvPr id="16" name="圆角矩形 15"/>
+          <p:cNvSpPr/>
+          <p:nvPr/>
+        </p:nvSpPr>
+        <p:spPr>
+          <a:xfrm>
+            <a:off x="3122295" y="1177290"/>
+            <a:ext cx="1179195" cy="339090"/>
+          </a:xfrm>
+          <a:prstGeom prst="roundRect">
+            <a:avLst/>
+          </a:prstGeom>
+          <a:ln>
+            <a:solidFill>
+              <a:schemeClr val="tx1"/>
+            </a:solidFill>
+          </a:ln>
+        </p:spPr>
+        <p:style>
+          <a:lnRef idx="2">
+            <a:schemeClr val="accent6"/>
+          </a:lnRef>
+          <a:fillRef idx="1">
+            <a:schemeClr val="lt1"/>
+          </a:fillRef>
+          <a:effectRef idx="0">
+            <a:schemeClr val="accent6"/>
+          </a:effectRef>
+          <a:fontRef idx="minor">
+            <a:schemeClr val="dk1"/>
+          </a:fontRef>
+        </p:style>
+        <p:txBody>
+          <a:bodyPr rtlCol="0" anchor="ctr"/>
+          <a:p>
+            <a:pPr algn="ctr"/>
+            <a:r>
+              <a:rPr lang="en-US" altLang="zh-CN" sz="1200"/>
+              <a:t>Client</a:t>
+            </a:r>
+            <a:endParaRPr lang="en-US" altLang="zh-CN" sz="1200"/>
+          </a:p>
+        </p:txBody>
+      </p:sp>
+      <p:sp>
+        <p:nvSpPr>
+          <p:cNvPr id="17" name="圆角矩形 16"/>
+          <p:cNvSpPr/>
+          <p:nvPr>
+            <p:custDataLst>
+              <p:tags r:id="rId6"/>
+            </p:custDataLst>
+          </p:nvPr>
+        </p:nvSpPr>
+        <p:spPr>
+          <a:xfrm>
+            <a:off x="3122295" y="1931035"/>
+            <a:ext cx="1179195" cy="339090"/>
+          </a:xfrm>
+          <a:prstGeom prst="roundRect">
+            <a:avLst/>
+          </a:prstGeom>
+          <a:ln>
+            <a:solidFill>
+              <a:schemeClr val="tx1"/>
+            </a:solidFill>
+          </a:ln>
+        </p:spPr>
+        <p:style>
+          <a:lnRef idx="2">
+            <a:schemeClr val="accent6"/>
+          </a:lnRef>
+          <a:fillRef idx="1">
+            <a:schemeClr val="lt1"/>
+          </a:fillRef>
+          <a:effectRef idx="0">
+            <a:schemeClr val="accent6"/>
+          </a:effectRef>
+          <a:fontRef idx="minor">
+            <a:schemeClr val="dk1"/>
+          </a:fontRef>
+        </p:style>
+        <p:txBody>
+          <a:bodyPr rtlCol="0" anchor="ctr"/>
+          <a:p>
+            <a:pPr algn="ctr"/>
+            <a:r>
+              <a:rPr lang="en-US" altLang="zh-CN" sz="1200"/>
+              <a:t>BinderProxy</a:t>
+            </a:r>
+            <a:endParaRPr lang="en-US" altLang="zh-CN" sz="1200"/>
+          </a:p>
+        </p:txBody>
+      </p:sp>
+      <p:sp>
+        <p:nvSpPr>
+          <p:cNvPr id="18" name="圆角矩形 17"/>
+          <p:cNvSpPr/>
+          <p:nvPr>
+            <p:custDataLst>
+              <p:tags r:id="rId7"/>
+            </p:custDataLst>
+          </p:nvPr>
+        </p:nvSpPr>
+        <p:spPr>
+          <a:xfrm>
+            <a:off x="5918835" y="1177290"/>
+            <a:ext cx="1179195" cy="339090"/>
+          </a:xfrm>
+          <a:prstGeom prst="roundRect">
+            <a:avLst/>
+          </a:prstGeom>
+          <a:ln>
+            <a:solidFill>
+              <a:schemeClr val="tx1"/>
+            </a:solidFill>
+          </a:ln>
+        </p:spPr>
+        <p:style>
+          <a:lnRef idx="2">
+            <a:schemeClr val="accent6"/>
+          </a:lnRef>
+          <a:fillRef idx="1">
+            <a:schemeClr val="lt1"/>
+          </a:fillRef>
+          <a:effectRef idx="0">
+            <a:schemeClr val="accent6"/>
+          </a:effectRef>
+          <a:fontRef idx="minor">
+            <a:schemeClr val="dk1"/>
+          </a:fontRef>
+        </p:style>
+        <p:txBody>
+          <a:bodyPr rtlCol="0" anchor="ctr"/>
+          <a:p>
+            <a:pPr algn="ctr"/>
+            <a:r>
+              <a:rPr lang="en-US" altLang="zh-CN" sz="1200"/>
+              <a:t>Server</a:t>
+            </a:r>
+            <a:endParaRPr lang="en-US" altLang="zh-CN" sz="1200"/>
+          </a:p>
+        </p:txBody>
+      </p:sp>
+      <p:sp>
+        <p:nvSpPr>
+          <p:cNvPr id="19" name="圆角矩形 18"/>
+          <p:cNvSpPr/>
+          <p:nvPr>
+            <p:custDataLst>
+              <p:tags r:id="rId8"/>
+            </p:custDataLst>
+          </p:nvPr>
+        </p:nvSpPr>
+        <p:spPr>
+          <a:xfrm>
+            <a:off x="5918835" y="1931035"/>
+            <a:ext cx="1179195" cy="339090"/>
+          </a:xfrm>
+          <a:prstGeom prst="roundRect">
+            <a:avLst/>
+          </a:prstGeom>
+          <a:ln>
+            <a:solidFill>
+              <a:schemeClr val="tx1"/>
+            </a:solidFill>
+          </a:ln>
+        </p:spPr>
+        <p:style>
+          <a:lnRef idx="2">
+            <a:schemeClr val="accent6"/>
+          </a:lnRef>
+          <a:fillRef idx="1">
+            <a:schemeClr val="lt1"/>
+          </a:fillRef>
+          <a:effectRef idx="0">
+            <a:schemeClr val="accent6"/>
+          </a:effectRef>
+          <a:fontRef idx="minor">
+            <a:schemeClr val="dk1"/>
+          </a:fontRef>
+        </p:style>
+        <p:txBody>
+          <a:bodyPr rtlCol="0" anchor="ctr"/>
+          <a:p>
+            <a:pPr algn="ctr"/>
+            <a:r>
+              <a:rPr lang="en-US" altLang="zh-CN" sz="1200"/>
+              <a:t>Binder</a:t>
+            </a:r>
+            <a:endParaRPr lang="en-US" altLang="zh-CN" sz="1200"/>
+          </a:p>
+        </p:txBody>
+      </p:sp>
+      <p:sp>
+        <p:nvSpPr>
+          <p:cNvPr id="20" name="圆角矩形 19"/>
+          <p:cNvSpPr/>
+          <p:nvPr>
+            <p:custDataLst>
+              <p:tags r:id="rId9"/>
+            </p:custDataLst>
+          </p:nvPr>
+        </p:nvSpPr>
+        <p:spPr>
+          <a:xfrm>
+            <a:off x="3122295" y="2734310"/>
+            <a:ext cx="4053205" cy="339090"/>
+          </a:xfrm>
+          <a:prstGeom prst="roundRect">
+            <a:avLst/>
+          </a:prstGeom>
+          <a:ln>
+            <a:solidFill>
+              <a:schemeClr val="tx1"/>
+            </a:solidFill>
+          </a:ln>
+        </p:spPr>
+        <p:style>
+          <a:lnRef idx="2">
+            <a:schemeClr val="accent6"/>
+          </a:lnRef>
+          <a:fillRef idx="1">
+            <a:schemeClr val="lt1"/>
+          </a:fillRef>
+          <a:effectRef idx="0">
+            <a:schemeClr val="accent6"/>
+          </a:effectRef>
+          <a:fontRef idx="minor">
+            <a:schemeClr val="dk1"/>
+          </a:fontRef>
+        </p:style>
+        <p:txBody>
+          <a:bodyPr rtlCol="0" anchor="ctr"/>
+          <a:p>
+            <a:pPr algn="ctr"/>
+            <a:r>
+              <a:rPr lang="en-US" altLang="zh-CN" sz="1200"/>
+              <a:t>android_util_binder.cpp</a:t>
+            </a:r>
+            <a:endParaRPr lang="en-US" altLang="zh-CN" sz="1200"/>
+          </a:p>
+        </p:txBody>
+      </p:sp>
+      <p:sp>
+        <p:nvSpPr>
+          <p:cNvPr id="21" name="圆角矩形 20"/>
+          <p:cNvSpPr/>
+          <p:nvPr>
+            <p:custDataLst>
+              <p:tags r:id="rId10"/>
+            </p:custDataLst>
+          </p:nvPr>
+        </p:nvSpPr>
+        <p:spPr>
+          <a:xfrm>
+            <a:off x="6090920" y="3486150"/>
+            <a:ext cx="1179195" cy="339090"/>
+          </a:xfrm>
+          <a:prstGeom prst="roundRect">
+            <a:avLst/>
+          </a:prstGeom>
+          <a:ln>
+            <a:solidFill>
+              <a:schemeClr val="tx1"/>
+            </a:solidFill>
+          </a:ln>
+        </p:spPr>
+        <p:style>
+          <a:lnRef idx="2">
+            <a:schemeClr val="accent6"/>
+          </a:lnRef>
+          <a:fillRef idx="1">
+            <a:schemeClr val="lt1"/>
+          </a:fillRef>
+          <a:effectRef idx="0">
+            <a:schemeClr val="accent6"/>
+          </a:effectRef>
+          <a:fontRef idx="minor">
+            <a:schemeClr val="dk1"/>
+          </a:fontRef>
+        </p:style>
+        <p:txBody>
+          <a:bodyPr rtlCol="0" anchor="ctr"/>
+          <a:p>
+            <a:pPr algn="ctr"/>
+            <a:r>
+              <a:rPr lang="en-US" altLang="zh-CN" sz="1200"/>
+              <a:t>JavaBBinder</a:t>
+            </a:r>
+            <a:endParaRPr lang="en-US" altLang="zh-CN" sz="1200"/>
+          </a:p>
+        </p:txBody>
+      </p:sp>
+      <p:sp>
+        <p:nvSpPr>
+          <p:cNvPr id="22" name="圆角矩形 21"/>
+          <p:cNvSpPr/>
+          <p:nvPr>
+            <p:custDataLst>
+              <p:tags r:id="rId11"/>
+            </p:custDataLst>
+          </p:nvPr>
+        </p:nvSpPr>
+        <p:spPr>
+          <a:xfrm>
+            <a:off x="3122295" y="4210050"/>
+            <a:ext cx="1179195" cy="339090"/>
+          </a:xfrm>
+          <a:prstGeom prst="roundRect">
+            <a:avLst/>
+          </a:prstGeom>
+          <a:ln>
+            <a:solidFill>
+              <a:schemeClr val="tx1"/>
+            </a:solidFill>
+          </a:ln>
+        </p:spPr>
+        <p:style>
+          <a:lnRef idx="2">
+            <a:schemeClr val="accent6"/>
+          </a:lnRef>
+          <a:fillRef idx="1">
+            <a:schemeClr val="lt1"/>
+          </a:fillRef>
+          <a:effectRef idx="0">
+            <a:schemeClr val="accent6"/>
+          </a:effectRef>
+          <a:fontRef idx="minor">
+            <a:schemeClr val="dk1"/>
+          </a:fontRef>
+        </p:style>
+        <p:txBody>
+          <a:bodyPr rtlCol="0" anchor="ctr"/>
+          <a:p>
+            <a:pPr algn="ctr"/>
+            <a:r>
+              <a:rPr lang="en-US" altLang="zh-CN" sz="1200"/>
+              <a:t>BpBinder</a:t>
+            </a:r>
+            <a:endParaRPr lang="en-US" altLang="zh-CN" sz="1200"/>
+          </a:p>
+        </p:txBody>
+      </p:sp>
+      <p:sp>
+        <p:nvSpPr>
+          <p:cNvPr id="23" name="圆角矩形 22"/>
+          <p:cNvSpPr/>
+          <p:nvPr>
+            <p:custDataLst>
+              <p:tags r:id="rId12"/>
+            </p:custDataLst>
+          </p:nvPr>
+        </p:nvSpPr>
+        <p:spPr>
+          <a:xfrm>
+            <a:off x="6090920" y="4210050"/>
+            <a:ext cx="1179195" cy="339090"/>
+          </a:xfrm>
+          <a:prstGeom prst="roundRect">
+            <a:avLst/>
+          </a:prstGeom>
+          <a:ln>
+            <a:solidFill>
+              <a:schemeClr val="tx1"/>
+            </a:solidFill>
+          </a:ln>
+        </p:spPr>
+        <p:style>
+          <a:lnRef idx="2">
+            <a:schemeClr val="accent6"/>
+          </a:lnRef>
+          <a:fillRef idx="1">
+            <a:schemeClr val="lt1"/>
+          </a:fillRef>
+          <a:effectRef idx="0">
+            <a:schemeClr val="accent6"/>
+          </a:effectRef>
+          <a:fontRef idx="minor">
+            <a:schemeClr val="dk1"/>
+          </a:fontRef>
+        </p:style>
+        <p:txBody>
+          <a:bodyPr rtlCol="0" anchor="ctr"/>
+          <a:p>
+            <a:pPr algn="ctr"/>
+            <a:r>
+              <a:rPr lang="en-US" altLang="zh-CN" sz="1200"/>
+              <a:t>BBinder</a:t>
+            </a:r>
+            <a:endParaRPr lang="en-US" altLang="zh-CN" sz="1200"/>
+          </a:p>
+        </p:txBody>
+      </p:sp>
+      <p:sp>
+        <p:nvSpPr>
+          <p:cNvPr id="24" name="文本框 23"/>
+          <p:cNvSpPr txBox="1"/>
+          <p:nvPr/>
+        </p:nvSpPr>
+        <p:spPr>
+          <a:xfrm>
+            <a:off x="3408680" y="306705"/>
+            <a:ext cx="3100070" cy="368300"/>
+          </a:xfrm>
+          <a:prstGeom prst="rect">
+            <a:avLst/>
+          </a:prstGeom>
+          <a:noFill/>
+        </p:spPr>
+        <p:txBody>
+          <a:bodyPr wrap="square" rtlCol="0">
+            <a:spAutoFit/>
+          </a:bodyPr>
+          <a:p>
+            <a:r>
+              <a:rPr lang="en-US" altLang="zh-CN"/>
+              <a:t>Binder Java </a:t>
+            </a:r>
+            <a:r>
+              <a:rPr lang="zh-CN" altLang="en-US"/>
+              <a:t>层整体框架图</a:t>
+            </a:r>
+            <a:endParaRPr lang="zh-CN" altLang="en-US"/>
+          </a:p>
+        </p:txBody>
+      </p:sp>
+      <p:sp>
+        <p:nvSpPr>
+          <p:cNvPr id="25" name="圆角矩形 24"/>
+          <p:cNvSpPr/>
+          <p:nvPr>
+            <p:custDataLst>
+              <p:tags r:id="rId13"/>
+            </p:custDataLst>
+          </p:nvPr>
+        </p:nvSpPr>
+        <p:spPr>
+          <a:xfrm>
+            <a:off x="4449445" y="4958080"/>
+            <a:ext cx="1513840" cy="339090"/>
+          </a:xfrm>
+          <a:prstGeom prst="roundRect">
+            <a:avLst/>
+          </a:prstGeom>
+          <a:ln>
+            <a:solidFill>
+              <a:schemeClr val="tx1"/>
+            </a:solidFill>
+          </a:ln>
+        </p:spPr>
+        <p:style>
+          <a:lnRef idx="2">
+            <a:schemeClr val="accent6"/>
+          </a:lnRef>
+          <a:fillRef idx="1">
+            <a:schemeClr val="lt1"/>
+          </a:fillRef>
+          <a:effectRef idx="0">
+            <a:schemeClr val="accent6"/>
+          </a:effectRef>
+          <a:fontRef idx="minor">
+            <a:schemeClr val="dk1"/>
+          </a:fontRef>
+        </p:style>
+        <p:txBody>
+          <a:bodyPr rtlCol="0" anchor="ctr"/>
+          <a:p>
+            <a:pPr algn="ctr"/>
+            <a:r>
+              <a:rPr lang="en-US" altLang="zh-CN" sz="1200"/>
+              <a:t>ServiceManager</a:t>
+            </a:r>
+            <a:endParaRPr lang="en-US" altLang="zh-CN" sz="1200"/>
+          </a:p>
+        </p:txBody>
+      </p:sp>
+      <p:sp>
+        <p:nvSpPr>
+          <p:cNvPr id="26" name="圆角矩形 25"/>
+          <p:cNvSpPr/>
+          <p:nvPr>
+            <p:custDataLst>
+              <p:tags r:id="rId14"/>
+            </p:custDataLst>
+          </p:nvPr>
+        </p:nvSpPr>
+        <p:spPr>
+          <a:xfrm>
+            <a:off x="3122295" y="5951220"/>
+            <a:ext cx="4053205" cy="339090"/>
+          </a:xfrm>
+          <a:prstGeom prst="roundRect">
+            <a:avLst/>
+          </a:prstGeom>
+          <a:ln>
+            <a:solidFill>
+              <a:schemeClr val="tx1"/>
+            </a:solidFill>
+          </a:ln>
+        </p:spPr>
+        <p:style>
+          <a:lnRef idx="2">
+            <a:schemeClr val="accent6"/>
+          </a:lnRef>
+          <a:fillRef idx="1">
+            <a:schemeClr val="lt1"/>
+          </a:fillRef>
+          <a:effectRef idx="0">
+            <a:schemeClr val="accent6"/>
+          </a:effectRef>
+          <a:fontRef idx="minor">
+            <a:schemeClr val="dk1"/>
+          </a:fontRef>
+        </p:style>
+        <p:txBody>
+          <a:bodyPr rtlCol="0" anchor="ctr"/>
+          <a:p>
+            <a:pPr algn="ctr"/>
+            <a:r>
+              <a:rPr lang="en-US" altLang="zh-CN" sz="1200"/>
+              <a:t>binder</a:t>
+            </a:r>
+            <a:r>
+              <a:rPr lang="zh-CN" altLang="en-US" sz="1200"/>
+              <a:t>驱动</a:t>
+            </a:r>
+            <a:endParaRPr lang="zh-CN" altLang="en-US" sz="1200"/>
+          </a:p>
+        </p:txBody>
+      </p:sp>
+      <p:cxnSp>
+        <p:nvCxnSpPr>
+          <p:cNvPr id="27" name="直接箭头连接符 26"/>
+          <p:cNvCxnSpPr>
+            <a:stCxn id="16" idx="2"/>
+            <a:endCxn id="17" idx="0"/>
+          </p:cNvCxnSpPr>
+          <p:nvPr/>
+        </p:nvCxnSpPr>
+        <p:spPr>
+          <a:xfrm>
+            <a:off x="3712210" y="1516380"/>
+            <a:ext cx="0" cy="414655"/>
+          </a:xfrm>
+          <a:prstGeom prst="straightConnector1">
+            <a:avLst/>
+          </a:prstGeom>
+          <a:ln>
+            <a:tailEnd type="arrow"/>
+          </a:ln>
+        </p:spPr>
+        <p:style>
+          <a:lnRef idx="1">
+            <a:schemeClr val="accent1"/>
+          </a:lnRef>
+          <a:fillRef idx="0">
+            <a:schemeClr val="accent1"/>
+          </a:fillRef>
+          <a:effectRef idx="0">
+            <a:schemeClr val="accent1"/>
+          </a:effectRef>
+          <a:fontRef idx="minor">
+            <a:schemeClr val="tx1"/>
+          </a:fontRef>
+        </p:style>
+      </p:cxnSp>
+      <p:cxnSp>
+        <p:nvCxnSpPr>
+          <p:cNvPr id="28" name="直接箭头连接符 27"/>
+          <p:cNvCxnSpPr>
+            <a:stCxn id="17" idx="2"/>
+          </p:cNvCxnSpPr>
+          <p:nvPr/>
+        </p:nvCxnSpPr>
+        <p:spPr>
+          <a:xfrm flipH="1">
+            <a:off x="3705225" y="2270125"/>
+            <a:ext cx="6985" cy="470535"/>
+          </a:xfrm>
+          <a:prstGeom prst="straightConnector1">
+            <a:avLst/>
+          </a:prstGeom>
+          <a:ln>
+            <a:tailEnd type="arrow"/>
+          </a:ln>
+        </p:spPr>
+        <p:style>
+          <a:lnRef idx="1">
+            <a:schemeClr val="accent1"/>
+          </a:lnRef>
+          <a:fillRef idx="0">
+            <a:schemeClr val="accent1"/>
+          </a:fillRef>
+          <a:effectRef idx="0">
+            <a:schemeClr val="accent1"/>
+          </a:effectRef>
+          <a:fontRef idx="minor">
+            <a:schemeClr val="tx1"/>
+          </a:fontRef>
+        </p:style>
+      </p:cxnSp>
+      <p:cxnSp>
+        <p:nvCxnSpPr>
+          <p:cNvPr id="31" name="直接箭头连接符 30"/>
+          <p:cNvCxnSpPr>
+            <a:endCxn id="22" idx="0"/>
+          </p:cNvCxnSpPr>
+          <p:nvPr/>
+        </p:nvCxnSpPr>
+        <p:spPr>
+          <a:xfrm>
+            <a:off x="3652520" y="3070225"/>
+            <a:ext cx="59690" cy="1139825"/>
+          </a:xfrm>
+          <a:prstGeom prst="straightConnector1">
+            <a:avLst/>
+          </a:prstGeom>
+          <a:ln>
+            <a:tailEnd type="arrow"/>
+          </a:ln>
+        </p:spPr>
+        <p:style>
+          <a:lnRef idx="1">
+            <a:schemeClr val="accent1"/>
+          </a:lnRef>
+          <a:fillRef idx="0">
+            <a:schemeClr val="accent1"/>
+          </a:fillRef>
+          <a:effectRef idx="0">
+            <a:schemeClr val="accent1"/>
+          </a:effectRef>
+          <a:fontRef idx="minor">
+            <a:schemeClr val="tx1"/>
+          </a:fontRef>
+        </p:style>
+      </p:cxnSp>
+      <p:cxnSp>
+        <p:nvCxnSpPr>
+          <p:cNvPr id="32" name="直接箭头连接符 31"/>
+          <p:cNvCxnSpPr>
+            <a:stCxn id="18" idx="2"/>
+            <a:endCxn id="19" idx="0"/>
+          </p:cNvCxnSpPr>
+          <p:nvPr/>
+        </p:nvCxnSpPr>
+        <p:spPr>
+          <a:xfrm>
+            <a:off x="6508750" y="1516380"/>
+            <a:ext cx="0" cy="414655"/>
+          </a:xfrm>
+          <a:prstGeom prst="straightConnector1">
+            <a:avLst/>
+          </a:prstGeom>
+          <a:ln>
+            <a:tailEnd type="arrow"/>
+          </a:ln>
+        </p:spPr>
+        <p:style>
+          <a:lnRef idx="1">
+            <a:schemeClr val="accent1"/>
+          </a:lnRef>
+          <a:fillRef idx="0">
+            <a:schemeClr val="accent1"/>
+          </a:fillRef>
+          <a:effectRef idx="0">
+            <a:schemeClr val="accent1"/>
+          </a:effectRef>
+          <a:fontRef idx="minor">
+            <a:schemeClr val="tx1"/>
+          </a:fontRef>
+        </p:style>
+      </p:cxnSp>
+      <p:cxnSp>
+        <p:nvCxnSpPr>
+          <p:cNvPr id="33" name="直接箭头连接符 32"/>
+          <p:cNvCxnSpPr>
+            <a:stCxn id="19" idx="2"/>
+          </p:cNvCxnSpPr>
+          <p:nvPr/>
+        </p:nvCxnSpPr>
+        <p:spPr>
+          <a:xfrm>
+            <a:off x="6508750" y="2270125"/>
+            <a:ext cx="13970" cy="466090"/>
+          </a:xfrm>
+          <a:prstGeom prst="straightConnector1">
+            <a:avLst/>
+          </a:prstGeom>
+          <a:ln>
+            <a:tailEnd type="arrow"/>
+          </a:ln>
+        </p:spPr>
+        <p:style>
+          <a:lnRef idx="1">
+            <a:schemeClr val="accent1"/>
+          </a:lnRef>
+          <a:fillRef idx="0">
+            <a:schemeClr val="accent1"/>
+          </a:fillRef>
+          <a:effectRef idx="0">
+            <a:schemeClr val="accent1"/>
+          </a:effectRef>
+          <a:fontRef idx="minor">
+            <a:schemeClr val="tx1"/>
+          </a:fontRef>
+        </p:style>
+      </p:cxnSp>
+      <p:cxnSp>
+        <p:nvCxnSpPr>
+          <p:cNvPr id="34" name="直接箭头连接符 33"/>
+          <p:cNvCxnSpPr>
+            <a:endCxn id="21" idx="0"/>
+          </p:cNvCxnSpPr>
+          <p:nvPr/>
+        </p:nvCxnSpPr>
+        <p:spPr>
+          <a:xfrm>
+            <a:off x="6537325" y="3060700"/>
+            <a:ext cx="143510" cy="425450"/>
+          </a:xfrm>
+          <a:prstGeom prst="straightConnector1">
+            <a:avLst/>
+          </a:prstGeom>
+          <a:ln>
+            <a:tailEnd type="arrow"/>
+          </a:ln>
+        </p:spPr>
+        <p:style>
+          <a:lnRef idx="1">
+            <a:schemeClr val="accent1"/>
+          </a:lnRef>
+          <a:fillRef idx="0">
+            <a:schemeClr val="accent1"/>
+          </a:fillRef>
+          <a:effectRef idx="0">
+            <a:schemeClr val="accent1"/>
+          </a:effectRef>
+          <a:fontRef idx="minor">
+            <a:schemeClr val="tx1"/>
+          </a:fontRef>
+        </p:style>
+      </p:cxnSp>
+      <p:cxnSp>
+        <p:nvCxnSpPr>
+          <p:cNvPr id="35" name="直接箭头连接符 34"/>
+          <p:cNvCxnSpPr>
+            <a:stCxn id="21" idx="2"/>
+            <a:endCxn id="23" idx="0"/>
+          </p:cNvCxnSpPr>
+          <p:nvPr/>
+        </p:nvCxnSpPr>
+        <p:spPr>
+          <a:xfrm>
+            <a:off x="6680835" y="3825240"/>
+            <a:ext cx="0" cy="384810"/>
+          </a:xfrm>
+          <a:prstGeom prst="straightConnector1">
+            <a:avLst/>
+          </a:prstGeom>
+          <a:ln>
+            <a:tailEnd type="arrow"/>
+          </a:ln>
+        </p:spPr>
+        <p:style>
+          <a:lnRef idx="1">
+            <a:schemeClr val="accent1"/>
+          </a:lnRef>
+          <a:fillRef idx="0">
+            <a:schemeClr val="accent1"/>
+          </a:fillRef>
+          <a:effectRef idx="0">
+            <a:schemeClr val="accent1"/>
+          </a:effectRef>
+          <a:fontRef idx="minor">
+            <a:schemeClr val="tx1"/>
+          </a:fontRef>
+        </p:style>
+      </p:cxnSp>
+      <p:cxnSp>
+        <p:nvCxnSpPr>
+          <p:cNvPr id="36" name="直接箭头连接符 35"/>
+          <p:cNvCxnSpPr>
+            <a:stCxn id="22" idx="2"/>
+          </p:cNvCxnSpPr>
+          <p:nvPr/>
+        </p:nvCxnSpPr>
+        <p:spPr>
+          <a:xfrm>
+            <a:off x="3712210" y="4549140"/>
+            <a:ext cx="21590" cy="1410335"/>
+          </a:xfrm>
+          <a:prstGeom prst="straightConnector1">
+            <a:avLst/>
+          </a:prstGeom>
+          <a:ln>
+            <a:headEnd type="arrow"/>
+            <a:tailEnd type="arrow"/>
+          </a:ln>
+        </p:spPr>
+        <p:style>
+          <a:lnRef idx="1">
+            <a:schemeClr val="accent1"/>
+          </a:lnRef>
+          <a:fillRef idx="0">
+            <a:schemeClr val="accent1"/>
+          </a:fillRef>
+          <a:effectRef idx="0">
+            <a:schemeClr val="accent1"/>
+          </a:effectRef>
+          <a:fontRef idx="minor">
+            <a:schemeClr val="tx1"/>
+          </a:fontRef>
+        </p:style>
+      </p:cxnSp>
+      <p:cxnSp>
+        <p:nvCxnSpPr>
+          <p:cNvPr id="37" name="直接箭头连接符 36"/>
+          <p:cNvCxnSpPr>
+            <a:stCxn id="23" idx="2"/>
+          </p:cNvCxnSpPr>
+          <p:nvPr/>
+        </p:nvCxnSpPr>
+        <p:spPr>
+          <a:xfrm>
+            <a:off x="6680835" y="4549140"/>
+            <a:ext cx="13970" cy="1396365"/>
+          </a:xfrm>
+          <a:prstGeom prst="straightConnector1">
+            <a:avLst/>
+          </a:prstGeom>
+          <a:ln>
+            <a:headEnd type="arrow"/>
+            <a:tailEnd type="arrow"/>
+          </a:ln>
+        </p:spPr>
+        <p:style>
+          <a:lnRef idx="1">
+            <a:schemeClr val="accent1"/>
+          </a:lnRef>
+          <a:fillRef idx="0">
+            <a:schemeClr val="accent1"/>
+          </a:fillRef>
+          <a:effectRef idx="0">
+            <a:schemeClr val="accent1"/>
+          </a:effectRef>
+          <a:fontRef idx="minor">
+            <a:schemeClr val="tx1"/>
+          </a:fontRef>
+        </p:style>
+      </p:cxnSp>
+      <p:sp>
+        <p:nvSpPr>
+          <p:cNvPr id="38" name="文本框 37"/>
+          <p:cNvSpPr txBox="1"/>
+          <p:nvPr/>
+        </p:nvSpPr>
+        <p:spPr>
+          <a:xfrm>
+            <a:off x="3233420" y="4933950"/>
+            <a:ext cx="572135" cy="306705"/>
+          </a:xfrm>
+          <a:prstGeom prst="rect">
+            <a:avLst/>
+          </a:prstGeom>
+          <a:noFill/>
+        </p:spPr>
+        <p:txBody>
+          <a:bodyPr wrap="square" rtlCol="0">
+            <a:spAutoFit/>
+          </a:bodyPr>
+          <a:p>
+            <a:r>
+              <a:rPr lang="en-US" altLang="zh-CN" sz="1400"/>
+              <a:t>ioctl</a:t>
+            </a:r>
+            <a:endParaRPr lang="en-US" altLang="zh-CN" sz="1400"/>
+          </a:p>
+        </p:txBody>
+      </p:sp>
+      <p:sp>
+        <p:nvSpPr>
+          <p:cNvPr id="39" name="文本框 38"/>
+          <p:cNvSpPr txBox="1"/>
+          <p:nvPr>
+            <p:custDataLst>
+              <p:tags r:id="rId15"/>
+            </p:custDataLst>
+          </p:nvPr>
+        </p:nvSpPr>
+        <p:spPr>
+          <a:xfrm>
+            <a:off x="6697980" y="4933950"/>
+            <a:ext cx="572135" cy="306705"/>
+          </a:xfrm>
+          <a:prstGeom prst="rect">
+            <a:avLst/>
+          </a:prstGeom>
+          <a:noFill/>
+        </p:spPr>
+        <p:txBody>
+          <a:bodyPr wrap="square" rtlCol="0">
+            <a:spAutoFit/>
+          </a:bodyPr>
+          <a:p>
+            <a:r>
+              <a:rPr lang="en-US" altLang="zh-CN" sz="1400"/>
+              <a:t>ioctl</a:t>
+            </a:r>
+            <a:endParaRPr lang="en-US" altLang="zh-CN" sz="1400"/>
+          </a:p>
+        </p:txBody>
+      </p:sp>
+      <p:cxnSp>
+        <p:nvCxnSpPr>
+          <p:cNvPr id="40" name="直接箭头连接符 39"/>
+          <p:cNvCxnSpPr>
+            <a:endCxn id="25" idx="0"/>
+          </p:cNvCxnSpPr>
+          <p:nvPr/>
+        </p:nvCxnSpPr>
+        <p:spPr>
+          <a:xfrm flipH="1">
+            <a:off x="5206365" y="4560570"/>
+            <a:ext cx="1101725" cy="397510"/>
+          </a:xfrm>
+          <a:prstGeom prst="straightConnector1">
+            <a:avLst/>
+          </a:prstGeom>
+          <a:ln>
+            <a:prstDash val="dash"/>
+            <a:tailEnd type="arrow"/>
+          </a:ln>
+        </p:spPr>
+        <p:style>
+          <a:lnRef idx="1">
+            <a:schemeClr val="accent1"/>
+          </a:lnRef>
+          <a:fillRef idx="0">
+            <a:schemeClr val="accent1"/>
+          </a:fillRef>
+          <a:effectRef idx="0">
+            <a:schemeClr val="accent1"/>
+          </a:effectRef>
+          <a:fontRef idx="minor">
+            <a:schemeClr val="tx1"/>
+          </a:fontRef>
+        </p:style>
+      </p:cxnSp>
+      <p:cxnSp>
+        <p:nvCxnSpPr>
+          <p:cNvPr id="41" name="直接箭头连接符 40"/>
+          <p:cNvCxnSpPr/>
+          <p:nvPr/>
+        </p:nvCxnSpPr>
+        <p:spPr>
+          <a:xfrm flipH="1" flipV="1">
+            <a:off x="4097020" y="4554855"/>
+            <a:ext cx="1109345" cy="397510"/>
+          </a:xfrm>
+          <a:prstGeom prst="straightConnector1">
+            <a:avLst/>
+          </a:prstGeom>
+          <a:ln>
+            <a:prstDash val="dash"/>
+            <a:tailEnd type="arrow"/>
+          </a:ln>
+        </p:spPr>
+        <p:style>
+          <a:lnRef idx="1">
+            <a:schemeClr val="accent1"/>
+          </a:lnRef>
+          <a:fillRef idx="0">
+            <a:schemeClr val="accent1"/>
+          </a:fillRef>
+          <a:effectRef idx="0">
+            <a:schemeClr val="accent1"/>
+          </a:effectRef>
+          <a:fontRef idx="minor">
+            <a:schemeClr val="tx1"/>
+          </a:fontRef>
+        </p:style>
+      </p:cxnSp>
+      <p:cxnSp>
+        <p:nvCxnSpPr>
+          <p:cNvPr id="42" name="直接箭头连接符 41"/>
+          <p:cNvCxnSpPr>
+            <a:stCxn id="22" idx="3"/>
+            <a:endCxn id="23" idx="1"/>
+          </p:cNvCxnSpPr>
+          <p:nvPr/>
+        </p:nvCxnSpPr>
+        <p:spPr>
+          <a:xfrm>
+            <a:off x="4301490" y="4379595"/>
+            <a:ext cx="1789430" cy="0"/>
+          </a:xfrm>
+          <a:prstGeom prst="straightConnector1">
+            <a:avLst/>
+          </a:prstGeom>
+          <a:ln>
+            <a:prstDash val="dash"/>
+            <a:tailEnd type="arrow"/>
+          </a:ln>
+        </p:spPr>
+        <p:style>
+          <a:lnRef idx="1">
+            <a:schemeClr val="accent1"/>
+          </a:lnRef>
+          <a:fillRef idx="0">
+            <a:schemeClr val="accent1"/>
+          </a:fillRef>
+          <a:effectRef idx="0">
+            <a:schemeClr val="accent1"/>
+          </a:effectRef>
+          <a:fontRef idx="minor">
+            <a:schemeClr val="tx1"/>
+          </a:fontRef>
+        </p:style>
+      </p:cxnSp>
+      <p:sp>
+        <p:nvSpPr>
+          <p:cNvPr id="43" name="文本框 42"/>
+          <p:cNvSpPr txBox="1"/>
+          <p:nvPr/>
+        </p:nvSpPr>
+        <p:spPr>
+          <a:xfrm>
+            <a:off x="5497830" y="4638675"/>
+            <a:ext cx="897890" cy="229870"/>
+          </a:xfrm>
+          <a:prstGeom prst="rect">
+            <a:avLst/>
+          </a:prstGeom>
+          <a:noFill/>
+        </p:spPr>
+        <p:txBody>
+          <a:bodyPr wrap="square" rtlCol="0">
+            <a:spAutoFit/>
+          </a:bodyPr>
+          <a:p>
+            <a:r>
+              <a:rPr lang="en-US" altLang="zh-CN" sz="900"/>
+              <a:t>1.</a:t>
+            </a:r>
+            <a:r>
+              <a:rPr lang="zh-CN" altLang="en-US" sz="900"/>
+              <a:t>注册服务</a:t>
+            </a:r>
+            <a:endParaRPr lang="zh-CN" altLang="en-US" sz="900"/>
+          </a:p>
+        </p:txBody>
+      </p:sp>
+      <p:sp>
+        <p:nvSpPr>
+          <p:cNvPr id="44" name="文本框 43"/>
+          <p:cNvSpPr txBox="1"/>
+          <p:nvPr>
+            <p:custDataLst>
+              <p:tags r:id="rId16"/>
+            </p:custDataLst>
+          </p:nvPr>
+        </p:nvSpPr>
+        <p:spPr>
+          <a:xfrm>
+            <a:off x="4231640" y="4638675"/>
+            <a:ext cx="840740" cy="229870"/>
+          </a:xfrm>
+          <a:prstGeom prst="rect">
+            <a:avLst/>
+          </a:prstGeom>
+          <a:noFill/>
+        </p:spPr>
+        <p:txBody>
+          <a:bodyPr wrap="square" rtlCol="0">
+            <a:spAutoFit/>
+          </a:bodyPr>
+          <a:p>
+            <a:r>
+              <a:rPr lang="en-US" altLang="zh-CN" sz="900"/>
+              <a:t>2.</a:t>
+            </a:r>
+            <a:r>
+              <a:rPr lang="zh-CN" altLang="en-US" sz="900"/>
+              <a:t>获取服务</a:t>
+            </a:r>
+            <a:endParaRPr lang="zh-CN" altLang="en-US" sz="900"/>
+          </a:p>
+        </p:txBody>
+      </p:sp>
+      <p:sp>
+        <p:nvSpPr>
+          <p:cNvPr id="45" name="文本框 44"/>
+          <p:cNvSpPr txBox="1"/>
+          <p:nvPr>
+            <p:custDataLst>
+              <p:tags r:id="rId17"/>
+            </p:custDataLst>
+          </p:nvPr>
+        </p:nvSpPr>
+        <p:spPr>
+          <a:xfrm>
+            <a:off x="4728845" y="4109720"/>
+            <a:ext cx="840740" cy="229870"/>
+          </a:xfrm>
+          <a:prstGeom prst="rect">
+            <a:avLst/>
+          </a:prstGeom>
+          <a:noFill/>
+        </p:spPr>
+        <p:txBody>
+          <a:bodyPr wrap="square" rtlCol="0">
+            <a:spAutoFit/>
+          </a:bodyPr>
+          <a:p>
+            <a:r>
+              <a:rPr lang="en-US" altLang="zh-CN" sz="900"/>
+              <a:t>3.</a:t>
+            </a:r>
+            <a:r>
+              <a:rPr lang="zh-CN" altLang="en-US" sz="900"/>
+              <a:t>使用服务</a:t>
+            </a:r>
+            <a:endParaRPr lang="zh-CN" altLang="en-US" sz="900"/>
+          </a:p>
+        </p:txBody>
+      </p:sp>
+    </p:spTree>
+    <p:custDataLst>
+      <p:tags r:id="rId18"/>
+    </p:custDataLst>
+  </p:cSld>
+  <p:clrMapOvr>
+    <a:masterClrMapping/>
+  </p:clrMapOvr>
+</p:sld>
+</file>
+
 <file path=ppt/tags/tag1.xml><?xml version="1.0" encoding="utf-8"?>
 <p:tagLst xmlns:p="http://schemas.openxmlformats.org/presentationml/2006/main">
   <p:tag name="KSO_WM_UNIT_HIGHLIGHT" val="0"/>
@@ -4309,7 +5692,25 @@
 
 <file path=ppt/tags/tag66.xml><?xml version="1.0" encoding="utf-8"?>
 <p:tagLst xmlns:p="http://schemas.openxmlformats.org/presentationml/2006/main">
-  <p:tag name="COMMONDATA" val="eyJoZGlkIjoiODA5M2RkOTQyYjhiMDYzNWE1ZDI4YjQ2YWU1MzZlOWIifQ=="/>
+  <p:tag name="KSO_WM_BEAUTIFY_FLAG" val=""/>
+</p:tagLst>
+</file>
+
+<file path=ppt/tags/tag67.xml><?xml version="1.0" encoding="utf-8"?>
+<p:tagLst xmlns:p="http://schemas.openxmlformats.org/presentationml/2006/main">
+  <p:tag name="KSO_WM_BEAUTIFY_FLAG" val=""/>
+</p:tagLst>
+</file>
+
+<file path=ppt/tags/tag68.xml><?xml version="1.0" encoding="utf-8"?>
+<p:tagLst xmlns:p="http://schemas.openxmlformats.org/presentationml/2006/main">
+  <p:tag name="KSO_WM_BEAUTIFY_FLAG" val=""/>
+</p:tagLst>
+</file>
+
+<file path=ppt/tags/tag69.xml><?xml version="1.0" encoding="utf-8"?>
+<p:tagLst xmlns:p="http://schemas.openxmlformats.org/presentationml/2006/main">
+  <p:tag name="KSO_WM_BEAUTIFY_FLAG" val=""/>
 </p:tagLst>
 </file>
 
@@ -4326,6 +5727,66 @@
 </p:tagLst>
 </file>
 
+<file path=ppt/tags/tag70.xml><?xml version="1.0" encoding="utf-8"?>
+<p:tagLst xmlns:p="http://schemas.openxmlformats.org/presentationml/2006/main">
+  <p:tag name="KSO_WM_BEAUTIFY_FLAG" val=""/>
+</p:tagLst>
+</file>
+
+<file path=ppt/tags/tag71.xml><?xml version="1.0" encoding="utf-8"?>
+<p:tagLst xmlns:p="http://schemas.openxmlformats.org/presentationml/2006/main">
+  <p:tag name="KSO_WM_BEAUTIFY_FLAG" val=""/>
+</p:tagLst>
+</file>
+
+<file path=ppt/tags/tag72.xml><?xml version="1.0" encoding="utf-8"?>
+<p:tagLst xmlns:p="http://schemas.openxmlformats.org/presentationml/2006/main">
+  <p:tag name="KSO_WM_BEAUTIFY_FLAG" val=""/>
+</p:tagLst>
+</file>
+
+<file path=ppt/tags/tag73.xml><?xml version="1.0" encoding="utf-8"?>
+<p:tagLst xmlns:p="http://schemas.openxmlformats.org/presentationml/2006/main">
+  <p:tag name="KSO_WM_BEAUTIFY_FLAG" val=""/>
+</p:tagLst>
+</file>
+
+<file path=ppt/tags/tag74.xml><?xml version="1.0" encoding="utf-8"?>
+<p:tagLst xmlns:p="http://schemas.openxmlformats.org/presentationml/2006/main">
+  <p:tag name="KSO_WM_BEAUTIFY_FLAG" val=""/>
+</p:tagLst>
+</file>
+
+<file path=ppt/tags/tag75.xml><?xml version="1.0" encoding="utf-8"?>
+<p:tagLst xmlns:p="http://schemas.openxmlformats.org/presentationml/2006/main">
+  <p:tag name="KSO_WM_BEAUTIFY_FLAG" val=""/>
+</p:tagLst>
+</file>
+
+<file path=ppt/tags/tag76.xml><?xml version="1.0" encoding="utf-8"?>
+<p:tagLst xmlns:p="http://schemas.openxmlformats.org/presentationml/2006/main">
+  <p:tag name="KSO_WM_BEAUTIFY_FLAG" val=""/>
+</p:tagLst>
+</file>
+
+<file path=ppt/tags/tag77.xml><?xml version="1.0" encoding="utf-8"?>
+<p:tagLst xmlns:p="http://schemas.openxmlformats.org/presentationml/2006/main">
+  <p:tag name="KSO_WM_BEAUTIFY_FLAG" val=""/>
+</p:tagLst>
+</file>
+
+<file path=ppt/tags/tag78.xml><?xml version="1.0" encoding="utf-8"?>
+<p:tagLst xmlns:p="http://schemas.openxmlformats.org/presentationml/2006/main">
+  <p:tag name="KSO_WM_BEAUTIFY_FLAG" val=""/>
+</p:tagLst>
+</file>
+
+<file path=ppt/tags/tag79.xml><?xml version="1.0" encoding="utf-8"?>
+<p:tagLst xmlns:p="http://schemas.openxmlformats.org/presentationml/2006/main">
+  <p:tag name="KSO_WM_BEAUTIFY_FLAG" val=""/>
+</p:tagLst>
+</file>
+
 <file path=ppt/tags/tag8.xml><?xml version="1.0" encoding="utf-8"?>
 <p:tagLst xmlns:p="http://schemas.openxmlformats.org/presentationml/2006/main">
   <p:tag name="KSO_WM_UNIT_HIGHLIGHT" val="0"/>
@@ -4336,6 +5797,39 @@
   <p:tag name="KSO_WM_UNIT_LAYERLEVEL" val="1"/>
   <p:tag name="KSO_WM_TAG_VERSION" val="1.0"/>
   <p:tag name="KSO_WM_BEAUTIFY_FLAG" val="#wm#"/>
+</p:tagLst>
+</file>
+
+<file path=ppt/tags/tag80.xml><?xml version="1.0" encoding="utf-8"?>
+<p:tagLst xmlns:p="http://schemas.openxmlformats.org/presentationml/2006/main">
+  <p:tag name="KSO_WM_BEAUTIFY_FLAG" val=""/>
+</p:tagLst>
+</file>
+
+<file path=ppt/tags/tag81.xml><?xml version="1.0" encoding="utf-8"?>
+<p:tagLst xmlns:p="http://schemas.openxmlformats.org/presentationml/2006/main">
+  <p:tag name="KSO_WM_BEAUTIFY_FLAG" val=""/>
+</p:tagLst>
+</file>
+
+<file path=ppt/tags/tag82.xml><?xml version="1.0" encoding="utf-8"?>
+<p:tagLst xmlns:p="http://schemas.openxmlformats.org/presentationml/2006/main">
+  <p:tag name="KSO_WM_BEAUTIFY_FLAG" val=""/>
+</p:tagLst>
+</file>
+
+<file path=ppt/tags/tag83.xml><?xml version="1.0" encoding="utf-8"?>
+<p:tagLst xmlns:p="http://schemas.openxmlformats.org/presentationml/2006/main">
+  <p:tag name="KSO_WM_BEAUTIFY_FLAG" val="#wm#"/>
+  <p:tag name="KSO_WM_TEMPLATE_CATEGORY" val="custom"/>
+  <p:tag name="KSO_WM_TEMPLATE_INDEX" val="20205176"/>
+</p:tagLst>
+</file>
+
+<file path=ppt/tags/tag84.xml><?xml version="1.0" encoding="utf-8"?>
+<p:tagLst xmlns:p="http://schemas.openxmlformats.org/presentationml/2006/main">
+  <p:tag name="COMMONDATA" val="eyJoZGlkIjoiODA5M2RkOTQyYjhiMDYzNWE1ZDI4YjQ2YWU1MzZlOWIifQ=="/>
+  <p:tag name="KSO_WPP_MARK_KEY" val="8e85a560-c9e7-47fb-b3e7-68b48be61e52"/>
 </p:tagLst>
 </file>
 
